--- a/slides/Java 5 _ Collections.pptx
+++ b/slides/Java 5 _ Collections.pptx
@@ -13634,7 +13634,7 @@
         <p:spPr>
           <a:xfrm>
             <a:off x="1148425" y="3650525"/>
-            <a:ext cx="6431100" cy="831300"/>
+            <a:ext cx="6431100" cy="1046700"/>
           </a:xfrm>
           <a:prstGeom prst="rect">
             <a:avLst/>
@@ -13675,7 +13675,7 @@
                 <a:cs typeface="Raleway"/>
                 <a:sym typeface="Raleway"/>
               </a:rPr>
-              <a:t>, </a:t>
+              <a:t> and </a:t>
             </a:r>
             <a:r>
               <a:rPr lang="fr">
@@ -13693,7 +13693,7 @@
                 <a:cs typeface="Raleway"/>
                 <a:sym typeface="Raleway"/>
               </a:rPr>
-              <a:t>and </a:t>
+              <a:t>are interfaces which extend interface </a:t>
             </a:r>
             <a:r>
               <a:rPr lang="fr">
@@ -13702,22 +13702,13 @@
                 <a:cs typeface="Courier New"/>
                 <a:sym typeface="Courier New"/>
               </a:rPr>
-              <a:t>Map </a:t>
-            </a:r>
-            <a:r>
-              <a:rPr lang="fr">
-                <a:latin typeface="Raleway"/>
-                <a:ea typeface="Raleway"/>
-                <a:cs typeface="Raleway"/>
-                <a:sym typeface="Raleway"/>
-              </a:rPr>
-              <a:t>are interfaces which extend interface Collection</a:t>
+              <a:t>Collection</a:t>
             </a:r>
             <a:endParaRPr>
-              <a:latin typeface="Raleway"/>
-              <a:ea typeface="Raleway"/>
-              <a:cs typeface="Raleway"/>
-              <a:sym typeface="Raleway"/>
+              <a:latin typeface="Courier New"/>
+              <a:ea typeface="Courier New"/>
+              <a:cs typeface="Courier New"/>
+              <a:sym typeface="Courier New"/>
             </a:endParaRPr>
           </a:p>
           <a:p>
@@ -13746,25 +13737,7 @@
                 <a:cs typeface="Courier New"/>
                 <a:sym typeface="Courier New"/>
               </a:rPr>
-              <a:t>ArrayList</a:t>
-            </a:r>
-            <a:r>
-              <a:rPr lang="fr">
-                <a:latin typeface="Raleway"/>
-                <a:ea typeface="Raleway"/>
-                <a:cs typeface="Raleway"/>
-                <a:sym typeface="Raleway"/>
-              </a:rPr>
-              <a:t>, </a:t>
-            </a:r>
-            <a:r>
-              <a:rPr lang="fr">
-                <a:latin typeface="Courier New"/>
-                <a:ea typeface="Courier New"/>
-                <a:cs typeface="Courier New"/>
-                <a:sym typeface="Courier New"/>
-              </a:rPr>
-              <a:t>HashSet </a:t>
+              <a:t>ArrayList </a:t>
             </a:r>
             <a:r>
               <a:rPr lang="fr">
@@ -13782,7 +13755,25 @@
                 <a:cs typeface="Courier New"/>
                 <a:sym typeface="Courier New"/>
               </a:rPr>
-              <a:t>HashMap</a:t>
+              <a:t>HashSet. Map </a:t>
+            </a:r>
+            <a:r>
+              <a:rPr lang="fr">
+                <a:latin typeface="Raleway"/>
+                <a:ea typeface="Raleway"/>
+                <a:cs typeface="Raleway"/>
+                <a:sym typeface="Raleway"/>
+              </a:rPr>
+              <a:t>defines its own interface, most used implementation is </a:t>
+            </a:r>
+            <a:r>
+              <a:rPr lang="fr">
+                <a:latin typeface="Courier New"/>
+                <a:ea typeface="Courier New"/>
+                <a:cs typeface="Courier New"/>
+                <a:sym typeface="Courier New"/>
+              </a:rPr>
+              <a:t>HashMap.</a:t>
             </a:r>
             <a:endParaRPr>
               <a:latin typeface="Courier New"/>
@@ -13808,7 +13799,7 @@
                 <a:cs typeface="Raleway"/>
                 <a:sym typeface="Raleway"/>
               </a:rPr>
-              <a:t>The implementations differ in time complexity</a:t>
+              <a:t>The implementations differ in time complexity.</a:t>
             </a:r>
             <a:endParaRPr>
               <a:latin typeface="Raleway"/>
